--- a/Abstract Factory.pptx
+++ b/Abstract Factory.pptx
@@ -117,6 +117,11 @@
       </a:defRPr>
     </a:lvl9pPr>
   </p:defaultTextStyle>
+  <p:extLst>
+    <p:ext uri="{EFAFB233-063F-42B5-8137-9DF3F51BA10A}">
+      <p15:sldGuideLst xmlns:p15="http://schemas.microsoft.com/office/powerpoint/2012/main"/>
+    </p:ext>
+  </p:extLst>
 </p:presentation>
 </file>
 
@@ -133,7 +138,7 @@
   <pc:docChgLst>
     <pc:chgData name="Booster Quicky" userId="12692d505a63f4a2" providerId="LiveId" clId="{F38B8DD5-4417-4371-B386-A3505093003D}"/>
     <pc:docChg chg="undo custSel addSld modSld">
-      <pc:chgData name="Booster Quicky" userId="12692d505a63f4a2" providerId="LiveId" clId="{F38B8DD5-4417-4371-B386-A3505093003D}" dt="2024-03-03T04:54:56.471" v="5677" actId="1076"/>
+      <pc:chgData name="Booster Quicky" userId="12692d505a63f4a2" providerId="LiveId" clId="{F38B8DD5-4417-4371-B386-A3505093003D}" dt="2024-03-10T15:14:42.622" v="6209" actId="14100"/>
       <pc:docMkLst>
         <pc:docMk/>
       </pc:docMkLst>
@@ -209,7 +214,7 @@
         </pc:picChg>
       </pc:sldChg>
       <pc:sldChg chg="addSp delSp modSp new mod">
-        <pc:chgData name="Booster Quicky" userId="12692d505a63f4a2" providerId="LiveId" clId="{F38B8DD5-4417-4371-B386-A3505093003D}" dt="2024-03-03T02:15:42.006" v="1539" actId="20577"/>
+        <pc:chgData name="Booster Quicky" userId="12692d505a63f4a2" providerId="LiveId" clId="{F38B8DD5-4417-4371-B386-A3505093003D}" dt="2024-03-10T15:14:42.622" v="6209" actId="14100"/>
         <pc:sldMkLst>
           <pc:docMk/>
           <pc:sldMk cId="3467855592" sldId="260"/>
@@ -231,7 +236,7 @@
           </ac:spMkLst>
         </pc:spChg>
         <pc:spChg chg="add mod">
-          <ac:chgData name="Booster Quicky" userId="12692d505a63f4a2" providerId="LiveId" clId="{F38B8DD5-4417-4371-B386-A3505093003D}" dt="2024-03-03T02:15:42.006" v="1539" actId="20577"/>
+          <ac:chgData name="Booster Quicky" userId="12692d505a63f4a2" providerId="LiveId" clId="{F38B8DD5-4417-4371-B386-A3505093003D}" dt="2024-03-10T15:14:42.622" v="6209" actId="14100"/>
           <ac:spMkLst>
             <pc:docMk/>
             <pc:sldMk cId="3467855592" sldId="260"/>
@@ -256,7 +261,7 @@
         </pc:picChg>
       </pc:sldChg>
       <pc:sldChg chg="addSp modSp new mod">
-        <pc:chgData name="Booster Quicky" userId="12692d505a63f4a2" providerId="LiveId" clId="{F38B8DD5-4417-4371-B386-A3505093003D}" dt="2024-03-03T04:15:31.057" v="5581" actId="14100"/>
+        <pc:chgData name="Booster Quicky" userId="12692d505a63f4a2" providerId="LiveId" clId="{F38B8DD5-4417-4371-B386-A3505093003D}" dt="2024-03-10T10:14:32.377" v="5678" actId="1076"/>
         <pc:sldMkLst>
           <pc:docMk/>
           <pc:sldMk cId="2553217437" sldId="261"/>
@@ -278,7 +283,7 @@
           </ac:spMkLst>
         </pc:spChg>
         <pc:picChg chg="add mod ord">
-          <ac:chgData name="Booster Quicky" userId="12692d505a63f4a2" providerId="LiveId" clId="{F38B8DD5-4417-4371-B386-A3505093003D}" dt="2024-03-03T04:15:31.057" v="5581" actId="14100"/>
+          <ac:chgData name="Booster Quicky" userId="12692d505a63f4a2" providerId="LiveId" clId="{F38B8DD5-4417-4371-B386-A3505093003D}" dt="2024-03-10T10:14:32.377" v="5678" actId="1076"/>
           <ac:picMkLst>
             <pc:docMk/>
             <pc:sldMk cId="2553217437" sldId="261"/>
@@ -654,7 +659,7 @@
           <a:p>
             <a:fld id="{7D9AC773-A6D0-4233-92AE-DB55DEEF0BF3}" type="datetimeFigureOut">
               <a:rPr lang="en-US" smtClean="0"/>
-              <a:t>3/3/2024</a:t>
+              <a:t>3/10/2024</a:t>
             </a:fld>
             <a:endParaRPr lang="en-US"/>
           </a:p>
@@ -852,7 +857,7 @@
           <a:p>
             <a:fld id="{7D9AC773-A6D0-4233-92AE-DB55DEEF0BF3}" type="datetimeFigureOut">
               <a:rPr lang="en-US" smtClean="0"/>
-              <a:t>3/3/2024</a:t>
+              <a:t>3/10/2024</a:t>
             </a:fld>
             <a:endParaRPr lang="en-US"/>
           </a:p>
@@ -1060,7 +1065,7 @@
           <a:p>
             <a:fld id="{7D9AC773-A6D0-4233-92AE-DB55DEEF0BF3}" type="datetimeFigureOut">
               <a:rPr lang="en-US" smtClean="0"/>
-              <a:t>3/3/2024</a:t>
+              <a:t>3/10/2024</a:t>
             </a:fld>
             <a:endParaRPr lang="en-US"/>
           </a:p>
@@ -1258,7 +1263,7 @@
           <a:p>
             <a:fld id="{7D9AC773-A6D0-4233-92AE-DB55DEEF0BF3}" type="datetimeFigureOut">
               <a:rPr lang="en-US" smtClean="0"/>
-              <a:t>3/3/2024</a:t>
+              <a:t>3/10/2024</a:t>
             </a:fld>
             <a:endParaRPr lang="en-US"/>
           </a:p>
@@ -1533,7 +1538,7 @@
           <a:p>
             <a:fld id="{7D9AC773-A6D0-4233-92AE-DB55DEEF0BF3}" type="datetimeFigureOut">
               <a:rPr lang="en-US" smtClean="0"/>
-              <a:t>3/3/2024</a:t>
+              <a:t>3/10/2024</a:t>
             </a:fld>
             <a:endParaRPr lang="en-US"/>
           </a:p>
@@ -1798,7 +1803,7 @@
           <a:p>
             <a:fld id="{7D9AC773-A6D0-4233-92AE-DB55DEEF0BF3}" type="datetimeFigureOut">
               <a:rPr lang="en-US" smtClean="0"/>
-              <a:t>3/3/2024</a:t>
+              <a:t>3/10/2024</a:t>
             </a:fld>
             <a:endParaRPr lang="en-US"/>
           </a:p>
@@ -2210,7 +2215,7 @@
           <a:p>
             <a:fld id="{7D9AC773-A6D0-4233-92AE-DB55DEEF0BF3}" type="datetimeFigureOut">
               <a:rPr lang="en-US" smtClean="0"/>
-              <a:t>3/3/2024</a:t>
+              <a:t>3/10/2024</a:t>
             </a:fld>
             <a:endParaRPr lang="en-US"/>
           </a:p>
@@ -2351,7 +2356,7 @@
           <a:p>
             <a:fld id="{7D9AC773-A6D0-4233-92AE-DB55DEEF0BF3}" type="datetimeFigureOut">
               <a:rPr lang="en-US" smtClean="0"/>
-              <a:t>3/3/2024</a:t>
+              <a:t>3/10/2024</a:t>
             </a:fld>
             <a:endParaRPr lang="en-US"/>
           </a:p>
@@ -2464,7 +2469,7 @@
           <a:p>
             <a:fld id="{7D9AC773-A6D0-4233-92AE-DB55DEEF0BF3}" type="datetimeFigureOut">
               <a:rPr lang="en-US" smtClean="0"/>
-              <a:t>3/3/2024</a:t>
+              <a:t>3/10/2024</a:t>
             </a:fld>
             <a:endParaRPr lang="en-US"/>
           </a:p>
@@ -2775,7 +2780,7 @@
           <a:p>
             <a:fld id="{7D9AC773-A6D0-4233-92AE-DB55DEEF0BF3}" type="datetimeFigureOut">
               <a:rPr lang="en-US" smtClean="0"/>
-              <a:t>3/3/2024</a:t>
+              <a:t>3/10/2024</a:t>
             </a:fld>
             <a:endParaRPr lang="en-US"/>
           </a:p>
@@ -3063,7 +3068,7 @@
           <a:p>
             <a:fld id="{7D9AC773-A6D0-4233-92AE-DB55DEEF0BF3}" type="datetimeFigureOut">
               <a:rPr lang="en-US" smtClean="0"/>
-              <a:t>3/3/2024</a:t>
+              <a:t>3/10/2024</a:t>
             </a:fld>
             <a:endParaRPr lang="en-US"/>
           </a:p>
@@ -3304,7 +3309,7 @@
           <a:p>
             <a:fld id="{7D9AC773-A6D0-4233-92AE-DB55DEEF0BF3}" type="datetimeFigureOut">
               <a:rPr lang="en-US" smtClean="0"/>
-              <a:t>3/3/2024</a:t>
+              <a:t>3/10/2024</a:t>
             </a:fld>
             <a:endParaRPr lang="en-US"/>
           </a:p>
@@ -7557,8 +7562,8 @@
         </p:nvSpPr>
         <p:spPr>
           <a:xfrm>
-            <a:off x="379563" y="2078966"/>
-            <a:ext cx="5822830" cy="2831544"/>
+            <a:off x="379562" y="2078966"/>
+            <a:ext cx="6190775" cy="2385268"/>
           </a:xfrm>
           <a:prstGeom prst="rect">
             <a:avLst/>
@@ -7579,423 +7584,11 @@
               <a:buChar char="•"/>
             </a:pPr>
             <a:r>
-              <a:rPr lang="en-US" sz="2400" err="1">
-                <a:latin typeface="Times New Roman" panose="02020603050405020304" pitchFamily="18" charset="0"/>
-                <a:cs typeface="Times New Roman" panose="02020603050405020304" pitchFamily="18" charset="0"/>
-              </a:rPr>
-              <a:t>Sản</a:t>
-            </a:r>
-            <a:r>
               <a:rPr lang="en-US" sz="2400">
                 <a:latin typeface="Times New Roman" panose="02020603050405020304" pitchFamily="18" charset="0"/>
                 <a:cs typeface="Times New Roman" panose="02020603050405020304" pitchFamily="18" charset="0"/>
               </a:rPr>
-              <a:t> </a:t>
-            </a:r>
-            <a:r>
-              <a:rPr lang="en-US" sz="2400" err="1">
-                <a:latin typeface="Times New Roman" panose="02020603050405020304" pitchFamily="18" charset="0"/>
-                <a:cs typeface="Times New Roman" panose="02020603050405020304" pitchFamily="18" charset="0"/>
-              </a:rPr>
-              <a:t>xuất</a:t>
-            </a:r>
-            <a:r>
-              <a:rPr lang="en-US" sz="2400">
-                <a:latin typeface="Times New Roman" panose="02020603050405020304" pitchFamily="18" charset="0"/>
-                <a:cs typeface="Times New Roman" panose="02020603050405020304" pitchFamily="18" charset="0"/>
-              </a:rPr>
-              <a:t> </a:t>
-            </a:r>
-            <a:r>
-              <a:rPr lang="en-US" sz="2400" err="1">
-                <a:latin typeface="Times New Roman" panose="02020603050405020304" pitchFamily="18" charset="0"/>
-                <a:cs typeface="Times New Roman" panose="02020603050405020304" pitchFamily="18" charset="0"/>
-              </a:rPr>
-              <a:t>ra</a:t>
-            </a:r>
-            <a:r>
-              <a:rPr lang="en-US" sz="2400">
-                <a:latin typeface="Times New Roman" panose="02020603050405020304" pitchFamily="18" charset="0"/>
-                <a:cs typeface="Times New Roman" panose="02020603050405020304" pitchFamily="18" charset="0"/>
-              </a:rPr>
-              <a:t> </a:t>
-            </a:r>
-            <a:r>
-              <a:rPr lang="en-US" sz="2400" err="1">
-                <a:latin typeface="Times New Roman" panose="02020603050405020304" pitchFamily="18" charset="0"/>
-                <a:cs typeface="Times New Roman" panose="02020603050405020304" pitchFamily="18" charset="0"/>
-              </a:rPr>
-              <a:t>nhóm</a:t>
-            </a:r>
-            <a:r>
-              <a:rPr lang="en-US" sz="2400">
-                <a:latin typeface="Times New Roman" panose="02020603050405020304" pitchFamily="18" charset="0"/>
-                <a:cs typeface="Times New Roman" panose="02020603050405020304" pitchFamily="18" charset="0"/>
-              </a:rPr>
-              <a:t> </a:t>
-            </a:r>
-            <a:r>
-              <a:rPr lang="en-US" sz="2400" err="1">
-                <a:latin typeface="Times New Roman" panose="02020603050405020304" pitchFamily="18" charset="0"/>
-                <a:cs typeface="Times New Roman" panose="02020603050405020304" pitchFamily="18" charset="0"/>
-              </a:rPr>
-              <a:t>sản</a:t>
-            </a:r>
-            <a:r>
-              <a:rPr lang="en-US" sz="2400">
-                <a:latin typeface="Times New Roman" panose="02020603050405020304" pitchFamily="18" charset="0"/>
-                <a:cs typeface="Times New Roman" panose="02020603050405020304" pitchFamily="18" charset="0"/>
-              </a:rPr>
-              <a:t> </a:t>
-            </a:r>
-            <a:r>
-              <a:rPr lang="en-US" sz="2400" err="1">
-                <a:latin typeface="Times New Roman" panose="02020603050405020304" pitchFamily="18" charset="0"/>
-                <a:cs typeface="Times New Roman" panose="02020603050405020304" pitchFamily="18" charset="0"/>
-              </a:rPr>
-              <a:t>phẩm</a:t>
-            </a:r>
-            <a:r>
-              <a:rPr lang="en-US" sz="2400">
-                <a:latin typeface="Times New Roman" panose="02020603050405020304" pitchFamily="18" charset="0"/>
-                <a:cs typeface="Times New Roman" panose="02020603050405020304" pitchFamily="18" charset="0"/>
-              </a:rPr>
-              <a:t> </a:t>
-            </a:r>
-            <a:r>
-              <a:rPr lang="en-US" sz="2400" err="1">
-                <a:latin typeface="Times New Roman" panose="02020603050405020304" pitchFamily="18" charset="0"/>
-                <a:cs typeface="Times New Roman" panose="02020603050405020304" pitchFamily="18" charset="0"/>
-              </a:rPr>
-              <a:t>liên</a:t>
-            </a:r>
-            <a:r>
-              <a:rPr lang="en-US" sz="2400">
-                <a:latin typeface="Times New Roman" panose="02020603050405020304" pitchFamily="18" charset="0"/>
-                <a:cs typeface="Times New Roman" panose="02020603050405020304" pitchFamily="18" charset="0"/>
-              </a:rPr>
-              <a:t> </a:t>
-            </a:r>
-            <a:r>
-              <a:rPr lang="en-US" sz="2400" err="1">
-                <a:latin typeface="Times New Roman" panose="02020603050405020304" pitchFamily="18" charset="0"/>
-                <a:cs typeface="Times New Roman" panose="02020603050405020304" pitchFamily="18" charset="0"/>
-              </a:rPr>
-              <a:t>quan</a:t>
-            </a:r>
-            <a:r>
-              <a:rPr lang="en-US" sz="2400">
-                <a:latin typeface="Times New Roman" panose="02020603050405020304" pitchFamily="18" charset="0"/>
-                <a:cs typeface="Times New Roman" panose="02020603050405020304" pitchFamily="18" charset="0"/>
-              </a:rPr>
-              <a:t> </a:t>
-            </a:r>
-            <a:r>
-              <a:rPr lang="en-US" sz="2400" err="1">
-                <a:latin typeface="Times New Roman" panose="02020603050405020304" pitchFamily="18" charset="0"/>
-                <a:cs typeface="Times New Roman" panose="02020603050405020304" pitchFamily="18" charset="0"/>
-              </a:rPr>
-              <a:t>đến</a:t>
-            </a:r>
-            <a:r>
-              <a:rPr lang="en-US" sz="2400">
-                <a:latin typeface="Times New Roman" panose="02020603050405020304" pitchFamily="18" charset="0"/>
-                <a:cs typeface="Times New Roman" panose="02020603050405020304" pitchFamily="18" charset="0"/>
-              </a:rPr>
-              <a:t> </a:t>
-            </a:r>
-            <a:r>
-              <a:rPr lang="en-US" sz="2400" err="1">
-                <a:latin typeface="Times New Roman" panose="02020603050405020304" pitchFamily="18" charset="0"/>
-                <a:cs typeface="Times New Roman" panose="02020603050405020304" pitchFamily="18" charset="0"/>
-              </a:rPr>
-              <a:t>nhau</a:t>
-            </a:r>
-            <a:r>
-              <a:rPr lang="en-US" sz="2400">
-                <a:latin typeface="Times New Roman" panose="02020603050405020304" pitchFamily="18" charset="0"/>
-                <a:cs typeface="Times New Roman" panose="02020603050405020304" pitchFamily="18" charset="0"/>
-              </a:rPr>
-              <a:t> </a:t>
-            </a:r>
-            <a:r>
-              <a:rPr lang="en-US" sz="2400" err="1">
-                <a:latin typeface="Times New Roman" panose="02020603050405020304" pitchFamily="18" charset="0"/>
-                <a:cs typeface="Times New Roman" panose="02020603050405020304" pitchFamily="18" charset="0"/>
-              </a:rPr>
-              <a:t>dễ</a:t>
-            </a:r>
-            <a:r>
-              <a:rPr lang="en-US" sz="2400">
-                <a:latin typeface="Times New Roman" panose="02020603050405020304" pitchFamily="18" charset="0"/>
-                <a:cs typeface="Times New Roman" panose="02020603050405020304" pitchFamily="18" charset="0"/>
-              </a:rPr>
-              <a:t> </a:t>
-            </a:r>
-            <a:r>
-              <a:rPr lang="en-US" sz="2400" err="1">
-                <a:latin typeface="Times New Roman" panose="02020603050405020304" pitchFamily="18" charset="0"/>
-                <a:cs typeface="Times New Roman" panose="02020603050405020304" pitchFamily="18" charset="0"/>
-              </a:rPr>
-              <a:t>dàng</a:t>
-            </a:r>
-            <a:endParaRPr lang="en-US" sz="2400">
-              <a:latin typeface="Times New Roman" panose="02020603050405020304" pitchFamily="18" charset="0"/>
-              <a:cs typeface="Times New Roman" panose="02020603050405020304" pitchFamily="18" charset="0"/>
-            </a:endParaRPr>
-          </a:p>
-          <a:p>
-            <a:pPr marL="342900" indent="-342900">
-              <a:spcAft>
-                <a:spcPts val="600"/>
-              </a:spcAft>
-              <a:buFont typeface="Arial" panose="020B0604020202020204" pitchFamily="34" charset="0"/>
-              <a:buChar char="•"/>
-            </a:pPr>
-            <a:r>
-              <a:rPr lang="en-US" sz="2400">
-                <a:latin typeface="Times New Roman" panose="02020603050405020304" pitchFamily="18" charset="0"/>
-                <a:cs typeface="Times New Roman" panose="02020603050405020304" pitchFamily="18" charset="0"/>
-              </a:rPr>
-              <a:t>Client code </a:t>
-            </a:r>
-            <a:r>
-              <a:rPr lang="en-US" sz="2400" err="1">
-                <a:latin typeface="Times New Roman" panose="02020603050405020304" pitchFamily="18" charset="0"/>
-                <a:cs typeface="Times New Roman" panose="02020603050405020304" pitchFamily="18" charset="0"/>
-              </a:rPr>
-              <a:t>làm</a:t>
-            </a:r>
-            <a:r>
-              <a:rPr lang="en-US" sz="2400">
-                <a:latin typeface="Times New Roman" panose="02020603050405020304" pitchFamily="18" charset="0"/>
-                <a:cs typeface="Times New Roman" panose="02020603050405020304" pitchFamily="18" charset="0"/>
-              </a:rPr>
-              <a:t> </a:t>
-            </a:r>
-            <a:r>
-              <a:rPr lang="en-US" sz="2400" err="1">
-                <a:latin typeface="Times New Roman" panose="02020603050405020304" pitchFamily="18" charset="0"/>
-                <a:cs typeface="Times New Roman" panose="02020603050405020304" pitchFamily="18" charset="0"/>
-              </a:rPr>
-              <a:t>việc</a:t>
-            </a:r>
-            <a:r>
-              <a:rPr lang="en-US" sz="2400">
-                <a:latin typeface="Times New Roman" panose="02020603050405020304" pitchFamily="18" charset="0"/>
-                <a:cs typeface="Times New Roman" panose="02020603050405020304" pitchFamily="18" charset="0"/>
-              </a:rPr>
-              <a:t> </a:t>
-            </a:r>
-            <a:r>
-              <a:rPr lang="en-US" sz="2400" err="1">
-                <a:latin typeface="Times New Roman" panose="02020603050405020304" pitchFamily="18" charset="0"/>
-                <a:cs typeface="Times New Roman" panose="02020603050405020304" pitchFamily="18" charset="0"/>
-              </a:rPr>
-              <a:t>với</a:t>
-            </a:r>
-            <a:r>
-              <a:rPr lang="en-US" sz="2400">
-                <a:latin typeface="Times New Roman" panose="02020603050405020304" pitchFamily="18" charset="0"/>
-                <a:cs typeface="Times New Roman" panose="02020603050405020304" pitchFamily="18" charset="0"/>
-              </a:rPr>
-              <a:t> abstract factory </a:t>
-            </a:r>
-            <a:r>
-              <a:rPr lang="en-US" sz="2400" err="1">
-                <a:latin typeface="Times New Roman" panose="02020603050405020304" pitchFamily="18" charset="0"/>
-                <a:cs typeface="Times New Roman" panose="02020603050405020304" pitchFamily="18" charset="0"/>
-              </a:rPr>
-              <a:t>và</a:t>
-            </a:r>
-            <a:r>
-              <a:rPr lang="en-US" sz="2400">
-                <a:latin typeface="Times New Roman" panose="02020603050405020304" pitchFamily="18" charset="0"/>
-                <a:cs typeface="Times New Roman" panose="02020603050405020304" pitchFamily="18" charset="0"/>
-              </a:rPr>
-              <a:t> abstract product » </a:t>
-            </a:r>
-            <a:r>
-              <a:rPr lang="en-US" sz="2400" err="1">
-                <a:latin typeface="Times New Roman" panose="02020603050405020304" pitchFamily="18" charset="0"/>
-                <a:cs typeface="Times New Roman" panose="02020603050405020304" pitchFamily="18" charset="0"/>
-              </a:rPr>
-              <a:t>Chúng</a:t>
-            </a:r>
-            <a:r>
-              <a:rPr lang="en-US" sz="2400">
-                <a:latin typeface="Times New Roman" panose="02020603050405020304" pitchFamily="18" charset="0"/>
-                <a:cs typeface="Times New Roman" panose="02020603050405020304" pitchFamily="18" charset="0"/>
-              </a:rPr>
-              <a:t> ta </a:t>
-            </a:r>
-            <a:r>
-              <a:rPr lang="en-US" sz="2400" err="1">
-                <a:latin typeface="Times New Roman" panose="02020603050405020304" pitchFamily="18" charset="0"/>
-                <a:cs typeface="Times New Roman" panose="02020603050405020304" pitchFamily="18" charset="0"/>
-              </a:rPr>
-              <a:t>có</a:t>
-            </a:r>
-            <a:r>
-              <a:rPr lang="en-US" sz="2400">
-                <a:latin typeface="Times New Roman" panose="02020603050405020304" pitchFamily="18" charset="0"/>
-                <a:cs typeface="Times New Roman" panose="02020603050405020304" pitchFamily="18" charset="0"/>
-              </a:rPr>
-              <a:t> </a:t>
-            </a:r>
-            <a:r>
-              <a:rPr lang="en-US" sz="2400" err="1">
-                <a:latin typeface="Times New Roman" panose="02020603050405020304" pitchFamily="18" charset="0"/>
-                <a:cs typeface="Times New Roman" panose="02020603050405020304" pitchFamily="18" charset="0"/>
-              </a:rPr>
-              <a:t>thể</a:t>
-            </a:r>
-            <a:r>
-              <a:rPr lang="en-US" sz="2400">
-                <a:latin typeface="Times New Roman" panose="02020603050405020304" pitchFamily="18" charset="0"/>
-                <a:cs typeface="Times New Roman" panose="02020603050405020304" pitchFamily="18" charset="0"/>
-              </a:rPr>
-              <a:t> </a:t>
-            </a:r>
-            <a:r>
-              <a:rPr lang="en-US" sz="2400" err="1">
-                <a:latin typeface="Times New Roman" panose="02020603050405020304" pitchFamily="18" charset="0"/>
-                <a:cs typeface="Times New Roman" panose="02020603050405020304" pitchFamily="18" charset="0"/>
-              </a:rPr>
-              <a:t>thay</a:t>
-            </a:r>
-            <a:r>
-              <a:rPr lang="en-US" sz="2400">
-                <a:latin typeface="Times New Roman" panose="02020603050405020304" pitchFamily="18" charset="0"/>
-                <a:cs typeface="Times New Roman" panose="02020603050405020304" pitchFamily="18" charset="0"/>
-              </a:rPr>
-              <a:t> </a:t>
-            </a:r>
-            <a:r>
-              <a:rPr lang="en-US" sz="2400" err="1">
-                <a:latin typeface="Times New Roman" panose="02020603050405020304" pitchFamily="18" charset="0"/>
-                <a:cs typeface="Times New Roman" panose="02020603050405020304" pitchFamily="18" charset="0"/>
-              </a:rPr>
-              <a:t>đổi</a:t>
-            </a:r>
-            <a:r>
-              <a:rPr lang="en-US" sz="2400">
-                <a:latin typeface="Times New Roman" panose="02020603050405020304" pitchFamily="18" charset="0"/>
-                <a:cs typeface="Times New Roman" panose="02020603050405020304" pitchFamily="18" charset="0"/>
-              </a:rPr>
-              <a:t> code </a:t>
-            </a:r>
-            <a:r>
-              <a:rPr lang="en-US" sz="2400" err="1">
-                <a:latin typeface="Times New Roman" panose="02020603050405020304" pitchFamily="18" charset="0"/>
-                <a:cs typeface="Times New Roman" panose="02020603050405020304" pitchFamily="18" charset="0"/>
-              </a:rPr>
-              <a:t>của</a:t>
-            </a:r>
-            <a:r>
-              <a:rPr lang="en-US" sz="2400">
-                <a:latin typeface="Times New Roman" panose="02020603050405020304" pitchFamily="18" charset="0"/>
-                <a:cs typeface="Times New Roman" panose="02020603050405020304" pitchFamily="18" charset="0"/>
-              </a:rPr>
-              <a:t> factory </a:t>
-            </a:r>
-            <a:r>
-              <a:rPr lang="en-US" sz="2400" err="1">
-                <a:latin typeface="Times New Roman" panose="02020603050405020304" pitchFamily="18" charset="0"/>
-                <a:cs typeface="Times New Roman" panose="02020603050405020304" pitchFamily="18" charset="0"/>
-              </a:rPr>
-              <a:t>hoặc</a:t>
-            </a:r>
-            <a:r>
-              <a:rPr lang="en-US" sz="2400">
-                <a:latin typeface="Times New Roman" panose="02020603050405020304" pitchFamily="18" charset="0"/>
-                <a:cs typeface="Times New Roman" panose="02020603050405020304" pitchFamily="18" charset="0"/>
-              </a:rPr>
-              <a:t> product </a:t>
-            </a:r>
-            <a:r>
-              <a:rPr lang="en-US" sz="2400" err="1">
-                <a:latin typeface="Times New Roman" panose="02020603050405020304" pitchFamily="18" charset="0"/>
-                <a:cs typeface="Times New Roman" panose="02020603050405020304" pitchFamily="18" charset="0"/>
-              </a:rPr>
-              <a:t>mà</a:t>
-            </a:r>
-            <a:r>
-              <a:rPr lang="en-US" sz="2400">
-                <a:latin typeface="Times New Roman" panose="02020603050405020304" pitchFamily="18" charset="0"/>
-                <a:cs typeface="Times New Roman" panose="02020603050405020304" pitchFamily="18" charset="0"/>
-              </a:rPr>
-              <a:t> </a:t>
-            </a:r>
-            <a:r>
-              <a:rPr lang="en-US" sz="2400" err="1">
-                <a:latin typeface="Times New Roman" panose="02020603050405020304" pitchFamily="18" charset="0"/>
-                <a:cs typeface="Times New Roman" panose="02020603050405020304" pitchFamily="18" charset="0"/>
-              </a:rPr>
-              <a:t>không</a:t>
-            </a:r>
-            <a:r>
-              <a:rPr lang="en-US" sz="2400">
-                <a:latin typeface="Times New Roman" panose="02020603050405020304" pitchFamily="18" charset="0"/>
-                <a:cs typeface="Times New Roman" panose="02020603050405020304" pitchFamily="18" charset="0"/>
-              </a:rPr>
-              <a:t> </a:t>
-            </a:r>
-            <a:r>
-              <a:rPr lang="en-US" sz="2400" err="1">
-                <a:latin typeface="Times New Roman" panose="02020603050405020304" pitchFamily="18" charset="0"/>
-                <a:cs typeface="Times New Roman" panose="02020603050405020304" pitchFamily="18" charset="0"/>
-              </a:rPr>
-              <a:t>làm</a:t>
-            </a:r>
-            <a:r>
-              <a:rPr lang="en-US" sz="2400">
-                <a:latin typeface="Times New Roman" panose="02020603050405020304" pitchFamily="18" charset="0"/>
-                <a:cs typeface="Times New Roman" panose="02020603050405020304" pitchFamily="18" charset="0"/>
-              </a:rPr>
-              <a:t> </a:t>
-            </a:r>
-            <a:r>
-              <a:rPr lang="en-US" sz="2400" err="1">
-                <a:latin typeface="Times New Roman" panose="02020603050405020304" pitchFamily="18" charset="0"/>
-                <a:cs typeface="Times New Roman" panose="02020603050405020304" pitchFamily="18" charset="0"/>
-              </a:rPr>
-              <a:t>ảnh</a:t>
-            </a:r>
-            <a:r>
-              <a:rPr lang="en-US" sz="2400">
-                <a:latin typeface="Times New Roman" panose="02020603050405020304" pitchFamily="18" charset="0"/>
-                <a:cs typeface="Times New Roman" panose="02020603050405020304" pitchFamily="18" charset="0"/>
-              </a:rPr>
-              <a:t> </a:t>
-            </a:r>
-            <a:r>
-              <a:rPr lang="en-US" sz="2400" err="1">
-                <a:latin typeface="Times New Roman" panose="02020603050405020304" pitchFamily="18" charset="0"/>
-                <a:cs typeface="Times New Roman" panose="02020603050405020304" pitchFamily="18" charset="0"/>
-              </a:rPr>
-              <a:t>hưởng</a:t>
-            </a:r>
-            <a:r>
-              <a:rPr lang="en-US" sz="2400">
-                <a:latin typeface="Times New Roman" panose="02020603050405020304" pitchFamily="18" charset="0"/>
-                <a:cs typeface="Times New Roman" panose="02020603050405020304" pitchFamily="18" charset="0"/>
-              </a:rPr>
-              <a:t> </a:t>
-            </a:r>
-            <a:r>
-              <a:rPr lang="en-US" sz="2400" err="1">
-                <a:latin typeface="Times New Roman" panose="02020603050405020304" pitchFamily="18" charset="0"/>
-                <a:cs typeface="Times New Roman" panose="02020603050405020304" pitchFamily="18" charset="0"/>
-              </a:rPr>
-              <a:t>đến</a:t>
-            </a:r>
-            <a:r>
-              <a:rPr lang="en-US" sz="2400">
-                <a:latin typeface="Times New Roman" panose="02020603050405020304" pitchFamily="18" charset="0"/>
-                <a:cs typeface="Times New Roman" panose="02020603050405020304" pitchFamily="18" charset="0"/>
-              </a:rPr>
-              <a:t> client code</a:t>
+              <a:t>Sử dụng Abstract Factory khi code cần phải làm việc với đa dạng product liên quan đến nhau nhưng bạn không muốn phụ thuộc vào một lớp cố định – chúng có thể chưa biết đến hoặc bạn muốn sự mở rộng trong tương lai</a:t>
             </a:r>
           </a:p>
           <a:p>
@@ -8095,7 +7688,7 @@
         </p:blipFill>
         <p:spPr>
           <a:xfrm>
-            <a:off x="6012555" y="783094"/>
+            <a:off x="6331789" y="732065"/>
             <a:ext cx="5493588" cy="5393870"/>
           </a:xfrm>
           <a:prstGeom prst="rect">

--- a/Abstract Factory.pptx
+++ b/Abstract Factory.pptx
@@ -659,7 +659,7 @@
           <a:p>
             <a:fld id="{7D9AC773-A6D0-4233-92AE-DB55DEEF0BF3}" type="datetimeFigureOut">
               <a:rPr lang="en-US" smtClean="0"/>
-              <a:t>3/10/2024</a:t>
+              <a:t>3/12/2024</a:t>
             </a:fld>
             <a:endParaRPr lang="en-US"/>
           </a:p>
@@ -857,7 +857,7 @@
           <a:p>
             <a:fld id="{7D9AC773-A6D0-4233-92AE-DB55DEEF0BF3}" type="datetimeFigureOut">
               <a:rPr lang="en-US" smtClean="0"/>
-              <a:t>3/10/2024</a:t>
+              <a:t>3/12/2024</a:t>
             </a:fld>
             <a:endParaRPr lang="en-US"/>
           </a:p>
@@ -1065,7 +1065,7 @@
           <a:p>
             <a:fld id="{7D9AC773-A6D0-4233-92AE-DB55DEEF0BF3}" type="datetimeFigureOut">
               <a:rPr lang="en-US" smtClean="0"/>
-              <a:t>3/10/2024</a:t>
+              <a:t>3/12/2024</a:t>
             </a:fld>
             <a:endParaRPr lang="en-US"/>
           </a:p>
@@ -1263,7 +1263,7 @@
           <a:p>
             <a:fld id="{7D9AC773-A6D0-4233-92AE-DB55DEEF0BF3}" type="datetimeFigureOut">
               <a:rPr lang="en-US" smtClean="0"/>
-              <a:t>3/10/2024</a:t>
+              <a:t>3/12/2024</a:t>
             </a:fld>
             <a:endParaRPr lang="en-US"/>
           </a:p>
@@ -1538,7 +1538,7 @@
           <a:p>
             <a:fld id="{7D9AC773-A6D0-4233-92AE-DB55DEEF0BF3}" type="datetimeFigureOut">
               <a:rPr lang="en-US" smtClean="0"/>
-              <a:t>3/10/2024</a:t>
+              <a:t>3/12/2024</a:t>
             </a:fld>
             <a:endParaRPr lang="en-US"/>
           </a:p>
@@ -1803,7 +1803,7 @@
           <a:p>
             <a:fld id="{7D9AC773-A6D0-4233-92AE-DB55DEEF0BF3}" type="datetimeFigureOut">
               <a:rPr lang="en-US" smtClean="0"/>
-              <a:t>3/10/2024</a:t>
+              <a:t>3/12/2024</a:t>
             </a:fld>
             <a:endParaRPr lang="en-US"/>
           </a:p>
@@ -2215,7 +2215,7 @@
           <a:p>
             <a:fld id="{7D9AC773-A6D0-4233-92AE-DB55DEEF0BF3}" type="datetimeFigureOut">
               <a:rPr lang="en-US" smtClean="0"/>
-              <a:t>3/10/2024</a:t>
+              <a:t>3/12/2024</a:t>
             </a:fld>
             <a:endParaRPr lang="en-US"/>
           </a:p>
@@ -2356,7 +2356,7 @@
           <a:p>
             <a:fld id="{7D9AC773-A6D0-4233-92AE-DB55DEEF0BF3}" type="datetimeFigureOut">
               <a:rPr lang="en-US" smtClean="0"/>
-              <a:t>3/10/2024</a:t>
+              <a:t>3/12/2024</a:t>
             </a:fld>
             <a:endParaRPr lang="en-US"/>
           </a:p>
@@ -2469,7 +2469,7 @@
           <a:p>
             <a:fld id="{7D9AC773-A6D0-4233-92AE-DB55DEEF0BF3}" type="datetimeFigureOut">
               <a:rPr lang="en-US" smtClean="0"/>
-              <a:t>3/10/2024</a:t>
+              <a:t>3/12/2024</a:t>
             </a:fld>
             <a:endParaRPr lang="en-US"/>
           </a:p>
@@ -2780,7 +2780,7 @@
           <a:p>
             <a:fld id="{7D9AC773-A6D0-4233-92AE-DB55DEEF0BF3}" type="datetimeFigureOut">
               <a:rPr lang="en-US" smtClean="0"/>
-              <a:t>3/10/2024</a:t>
+              <a:t>3/12/2024</a:t>
             </a:fld>
             <a:endParaRPr lang="en-US"/>
           </a:p>
@@ -3068,7 +3068,7 @@
           <a:p>
             <a:fld id="{7D9AC773-A6D0-4233-92AE-DB55DEEF0BF3}" type="datetimeFigureOut">
               <a:rPr lang="en-US" smtClean="0"/>
-              <a:t>3/10/2024</a:t>
+              <a:t>3/12/2024</a:t>
             </a:fld>
             <a:endParaRPr lang="en-US"/>
           </a:p>
@@ -3309,7 +3309,7 @@
           <a:p>
             <a:fld id="{7D9AC773-A6D0-4233-92AE-DB55DEEF0BF3}" type="datetimeFigureOut">
               <a:rPr lang="en-US" smtClean="0"/>
-              <a:t>3/10/2024</a:t>
+              <a:t>3/12/2024</a:t>
             </a:fld>
             <a:endParaRPr lang="en-US"/>
           </a:p>
@@ -4904,6 +4904,21 @@
               <a:t>Prototype</a:t>
             </a:r>
           </a:p>
+          <a:p>
+            <a:endParaRPr lang="en-US">
+              <a:latin typeface="Times New Roman" panose="02020603050405020304" pitchFamily="18" charset="0"/>
+              <a:cs typeface="Times New Roman" panose="02020603050405020304" pitchFamily="18" charset="0"/>
+            </a:endParaRPr>
+          </a:p>
+          <a:p>
+            <a:r>
+              <a:rPr lang="en-US">
+                <a:latin typeface="Times New Roman" panose="02020603050405020304" pitchFamily="18" charset="0"/>
+                <a:cs typeface="Times New Roman" panose="02020603050405020304" pitchFamily="18" charset="0"/>
+              </a:rPr>
+              <a:t>Factory Method</a:t>
+            </a:r>
+          </a:p>
         </p:txBody>
       </p:sp>
     </p:spTree>
